--- a/pptx/amar/rafi.pptx
+++ b/pptx/amar/rafi.pptx
@@ -246,7 +246,7 @@
             <a:fld id="{D83FDC75-7F73-4A4A-A77C-09AADF00E0EA}" type="datetimeFigureOut">
               <a:rPr lang="en-US" smtClean="0"/>
               <a:pPr/>
-              <a:t>7/1/2022</a:t>
+              <a:t>7/2/2022</a:t>
             </a:fld>
             <a:endParaRPr lang="en-US" dirty="0"/>
           </a:p>
@@ -413,7 +413,7 @@
             <a:fld id="{48AEF76B-3757-4A0B-AF93-28494465C1DD}" type="datetimeFigureOut">
               <a:rPr lang="en-US" smtClean="0"/>
               <a:pPr/>
-              <a:t>7/1/2022</a:t>
+              <a:t>7/2/2022</a:t>
             </a:fld>
             <a:endParaRPr lang="en-US" dirty="0"/>
           </a:p>
@@ -1790,7 +1790,7 @@
             <a:fld id="{757B281C-5159-4971-8228-52B9A72E9ED2}" type="datetimeFigureOut">
               <a:rPr lang="en-US" smtClean="0"/>
               <a:pPr/>
-              <a:t>7/1/2022</a:t>
+              <a:t>7/2/2022</a:t>
             </a:fld>
             <a:endParaRPr lang="en-US" dirty="0"/>
           </a:p>
@@ -1892,7 +1892,7 @@
             <a:fld id="{757B281C-5159-4971-8228-52B9A72E9ED2}" type="datetimeFigureOut">
               <a:rPr lang="en-US" smtClean="0"/>
               <a:pPr/>
-              <a:t>7/1/2022</a:t>
+              <a:t>7/2/2022</a:t>
             </a:fld>
             <a:endParaRPr lang="en-US" dirty="0"/>
           </a:p>
@@ -2028,7 +2028,7 @@
             <a:fld id="{757B281C-5159-4971-8228-52B9A72E9ED2}" type="datetimeFigureOut">
               <a:rPr lang="en-US" smtClean="0"/>
               <a:pPr/>
-              <a:t>7/1/2022</a:t>
+              <a:t>7/2/2022</a:t>
             </a:fld>
             <a:endParaRPr lang="en-US" dirty="0"/>
           </a:p>
@@ -2234,7 +2234,7 @@
             <a:fld id="{757B281C-5159-4971-8228-52B9A72E9ED2}" type="datetimeFigureOut">
               <a:rPr lang="en-US" smtClean="0"/>
               <a:pPr/>
-              <a:t>7/1/2022</a:t>
+              <a:t>7/2/2022</a:t>
             </a:fld>
             <a:endParaRPr lang="en-US" dirty="0"/>
           </a:p>
@@ -2633,7 +2633,7 @@
             <a:fld id="{757B281C-5159-4971-8228-52B9A72E9ED2}" type="datetimeFigureOut">
               <a:rPr lang="en-US" smtClean="0"/>
               <a:pPr/>
-              <a:t>7/1/2022</a:t>
+              <a:t>7/2/2022</a:t>
             </a:fld>
             <a:endParaRPr lang="en-US" dirty="0"/>
           </a:p>
@@ -2933,7 +2933,7 @@
             <a:fld id="{757B281C-5159-4971-8228-52B9A72E9ED2}" type="datetimeFigureOut">
               <a:rPr lang="en-US" smtClean="0"/>
               <a:pPr/>
-              <a:t>7/1/2022</a:t>
+              <a:t>7/2/2022</a:t>
             </a:fld>
             <a:endParaRPr lang="en-US" dirty="0"/>
           </a:p>
@@ -3362,7 +3362,7 @@
             <a:fld id="{757B281C-5159-4971-8228-52B9A72E9ED2}" type="datetimeFigureOut">
               <a:rPr lang="en-US" smtClean="0"/>
               <a:pPr/>
-              <a:t>7/1/2022</a:t>
+              <a:t>7/2/2022</a:t>
             </a:fld>
             <a:endParaRPr lang="en-US" dirty="0"/>
           </a:p>
@@ -3639,7 +3639,7 @@
             <a:fld id="{757B281C-5159-4971-8228-52B9A72E9ED2}" type="datetimeFigureOut">
               <a:rPr lang="en-US" smtClean="0"/>
               <a:pPr/>
-              <a:t>7/1/2022</a:t>
+              <a:t>7/2/2022</a:t>
             </a:fld>
             <a:endParaRPr lang="en-US" dirty="0"/>
           </a:p>
@@ -3903,7 +3903,7 @@
             <a:fld id="{757B281C-5159-4971-8228-52B9A72E9ED2}" type="datetimeFigureOut">
               <a:rPr lang="en-US" smtClean="0"/>
               <a:pPr/>
-              <a:t>7/1/2022</a:t>
+              <a:t>7/2/2022</a:t>
             </a:fld>
             <a:endParaRPr lang="en-US" dirty="0"/>
           </a:p>
@@ -4073,7 +4073,7 @@
             <a:fld id="{757B281C-5159-4971-8228-52B9A72E9ED2}" type="datetimeFigureOut">
               <a:rPr lang="en-US" smtClean="0"/>
               <a:pPr/>
-              <a:t>7/1/2022</a:t>
+              <a:t>7/2/2022</a:t>
             </a:fld>
             <a:endParaRPr lang="en-US" dirty="0"/>
           </a:p>
@@ -4253,7 +4253,7 @@
             <a:fld id="{757B281C-5159-4971-8228-52B9A72E9ED2}" type="datetimeFigureOut">
               <a:rPr lang="en-US" smtClean="0"/>
               <a:pPr/>
-              <a:t>7/1/2022</a:t>
+              <a:t>7/2/2022</a:t>
             </a:fld>
             <a:endParaRPr lang="en-US" dirty="0"/>
           </a:p>
@@ -4495,7 +4495,7 @@
             <a:fld id="{757B281C-5159-4971-8228-52B9A72E9ED2}" type="datetimeFigureOut">
               <a:rPr lang="en-US" smtClean="0"/>
               <a:pPr/>
-              <a:t>7/1/2022</a:t>
+              <a:t>7/2/2022</a:t>
             </a:fld>
             <a:endParaRPr lang="en-US" dirty="0"/>
           </a:p>
@@ -4973,7 +4973,7 @@
         </p:nvSpPr>
         <p:spPr>
           <a:xfrm>
-            <a:off x="3886200" y="3962400"/>
+            <a:off x="2971800" y="3733800"/>
             <a:ext cx="5105400" cy="2667000"/>
           </a:xfrm>
         </p:spPr>
@@ -5012,16 +5012,55 @@
               <a:rPr lang="en-US" dirty="0" smtClean="0">
                 <a:latin typeface="+mn-lt"/>
               </a:rPr>
-              <a:t>	Course Code : CSE 134</a:t>
-            </a:r>
-          </a:p>
-          <a:p>
-            <a:pPr algn="l"/>
+              <a:t>	</a:t>
+            </a:r>
             <a:r>
               <a:rPr lang="en-US" dirty="0" smtClean="0">
                 <a:latin typeface="+mn-lt"/>
               </a:rPr>
-              <a:t>	Course Teacher: Md. Mizanur Rahman	Semister : Spring 2022</a:t>
+              <a:t>Batch: 24</a:t>
+            </a:r>
+            <a:r>
+              <a:rPr lang="en-US" baseline="30000" dirty="0" smtClean="0">
+                <a:latin typeface="+mn-lt"/>
+              </a:rPr>
+              <a:t>th</a:t>
+            </a:r>
+            <a:r>
+              <a:rPr lang="en-US" dirty="0">
+                <a:latin typeface="+mn-lt"/>
+              </a:rPr>
+              <a:t> </a:t>
+            </a:r>
+            <a:endParaRPr lang="en-US" dirty="0" smtClean="0">
+              <a:latin typeface="+mn-lt"/>
+            </a:endParaRPr>
+          </a:p>
+          <a:p>
+            <a:pPr algn="l"/>
+            <a:r>
+              <a:rPr lang="en-US" dirty="0" smtClean="0">
+                <a:latin typeface="+mn-lt"/>
+              </a:rPr>
+              <a:t>	</a:t>
+            </a:r>
+            <a:r>
+              <a:rPr lang="en-US" dirty="0" smtClean="0">
+                <a:latin typeface="+mn-lt"/>
+              </a:rPr>
+              <a:t>Semester </a:t>
+            </a:r>
+            <a:r>
+              <a:rPr lang="en-US" dirty="0">
+                <a:latin typeface="+mn-lt"/>
+              </a:rPr>
+              <a:t>: </a:t>
+            </a:r>
+            <a:r>
+              <a:rPr lang="en-US" dirty="0" smtClean="0">
+                <a:latin typeface="+mn-lt"/>
+              </a:rPr>
+              <a:t>Spring 2022</a:t>
             </a:r>
             <a:endParaRPr lang="en-US" dirty="0" smtClean="0"/>
           </a:p>
@@ -5040,7 +5079,7 @@
           <p:nvPr/>
         </p:nvPicPr>
         <p:blipFill>
-          <a:blip r:embed="rId6"/>
+          <a:blip r:embed="rId7"/>
           <a:stretch>
             <a:fillRect/>
           </a:stretch>
@@ -5055,6 +5094,213 @@
           </a:prstGeom>
         </p:spPr>
       </p:pic>
+      <p:sp>
+        <p:nvSpPr>
+          <p:cNvPr id="6" name="Subtitle 2"/>
+          <p:cNvSpPr txBox="1">
+            <a:spLocks/>
+          </p:cNvSpPr>
+          <p:nvPr>
+            <p:custDataLst>
+              <p:tags r:id="rId4"/>
+            </p:custDataLst>
+          </p:nvPr>
+        </p:nvSpPr>
+        <p:spPr>
+          <a:xfrm>
+            <a:off x="3962400" y="5524500"/>
+            <a:ext cx="5181600" cy="2667000"/>
+          </a:xfrm>
+          <a:prstGeom prst="rect">
+            <a:avLst/>
+          </a:prstGeom>
+        </p:spPr>
+        <p:txBody>
+          <a:bodyPr vert="horz" lIns="91440" tIns="45720" rIns="91440" bIns="45720" rtlCol="0">
+            <a:normAutofit/>
+          </a:bodyPr>
+          <a:lstStyle>
+            <a:lvl1pPr marL="0" indent="0" algn="r" defTabSz="914400" rtl="0" eaLnBrk="1" latinLnBrk="0" hangingPunct="1">
+              <a:spcBef>
+                <a:spcPct val="20000"/>
+              </a:spcBef>
+              <a:buFont typeface="Arial" pitchFamily="34" charset="0"/>
+              <a:buNone/>
+              <a:defRPr sz="2000" b="0" kern="1200">
+                <a:solidFill>
+                  <a:schemeClr val="tx1"/>
+                </a:solidFill>
+                <a:latin typeface="Georgia" pitchFamily="18" charset="0"/>
+                <a:ea typeface="+mn-ea"/>
+                <a:cs typeface="+mn-cs"/>
+              </a:defRPr>
+            </a:lvl1pPr>
+            <a:lvl2pPr marL="457200" indent="0" algn="ctr" defTabSz="914400" rtl="0" eaLnBrk="1" latinLnBrk="0" hangingPunct="1">
+              <a:spcBef>
+                <a:spcPct val="20000"/>
+              </a:spcBef>
+              <a:buFont typeface="Arial" pitchFamily="34" charset="0"/>
+              <a:buNone/>
+              <a:defRPr sz="2400" kern="1200">
+                <a:solidFill>
+                  <a:schemeClr val="tx1">
+                    <a:tint val="75000"/>
+                  </a:schemeClr>
+                </a:solidFill>
+                <a:latin typeface="+mn-lt"/>
+                <a:ea typeface="+mn-ea"/>
+                <a:cs typeface="+mn-cs"/>
+              </a:defRPr>
+            </a:lvl2pPr>
+            <a:lvl3pPr marL="914400" indent="0" algn="ctr" defTabSz="914400" rtl="0" eaLnBrk="1" latinLnBrk="0" hangingPunct="1">
+              <a:spcBef>
+                <a:spcPct val="20000"/>
+              </a:spcBef>
+              <a:buFont typeface="Arial" pitchFamily="34" charset="0"/>
+              <a:buNone/>
+              <a:defRPr sz="2000" kern="1200">
+                <a:solidFill>
+                  <a:schemeClr val="tx1">
+                    <a:tint val="75000"/>
+                  </a:schemeClr>
+                </a:solidFill>
+                <a:latin typeface="+mn-lt"/>
+                <a:ea typeface="+mn-ea"/>
+                <a:cs typeface="+mn-cs"/>
+              </a:defRPr>
+            </a:lvl3pPr>
+            <a:lvl4pPr marL="1371600" indent="0" algn="ctr" defTabSz="914400" rtl="0" eaLnBrk="1" latinLnBrk="0" hangingPunct="1">
+              <a:spcBef>
+                <a:spcPct val="20000"/>
+              </a:spcBef>
+              <a:buFont typeface="Arial" pitchFamily="34" charset="0"/>
+              <a:buNone/>
+              <a:defRPr sz="1800" kern="1200">
+                <a:solidFill>
+                  <a:schemeClr val="tx1">
+                    <a:tint val="75000"/>
+                  </a:schemeClr>
+                </a:solidFill>
+                <a:latin typeface="+mn-lt"/>
+                <a:ea typeface="+mn-ea"/>
+                <a:cs typeface="+mn-cs"/>
+              </a:defRPr>
+            </a:lvl4pPr>
+            <a:lvl5pPr marL="1828800" indent="0" algn="ctr" defTabSz="914400" rtl="0" eaLnBrk="1" latinLnBrk="0" hangingPunct="1">
+              <a:spcBef>
+                <a:spcPct val="20000"/>
+              </a:spcBef>
+              <a:buFont typeface="Arial" pitchFamily="34" charset="0"/>
+              <a:buNone/>
+              <a:defRPr sz="1800" kern="1200">
+                <a:solidFill>
+                  <a:schemeClr val="tx1">
+                    <a:tint val="75000"/>
+                  </a:schemeClr>
+                </a:solidFill>
+                <a:latin typeface="+mn-lt"/>
+                <a:ea typeface="+mn-ea"/>
+                <a:cs typeface="+mn-cs"/>
+              </a:defRPr>
+            </a:lvl5pPr>
+            <a:lvl6pPr marL="2286000" indent="0" algn="ctr" defTabSz="914400" rtl="0" eaLnBrk="1" latinLnBrk="0" hangingPunct="1">
+              <a:spcBef>
+                <a:spcPct val="20000"/>
+              </a:spcBef>
+              <a:buFont typeface="Arial" pitchFamily="34" charset="0"/>
+              <a:buNone/>
+              <a:defRPr sz="2000" kern="1200">
+                <a:solidFill>
+                  <a:schemeClr val="tx1">
+                    <a:tint val="75000"/>
+                  </a:schemeClr>
+                </a:solidFill>
+                <a:latin typeface="+mn-lt"/>
+                <a:ea typeface="+mn-ea"/>
+                <a:cs typeface="+mn-cs"/>
+              </a:defRPr>
+            </a:lvl6pPr>
+            <a:lvl7pPr marL="2743200" indent="0" algn="ctr" defTabSz="914400" rtl="0" eaLnBrk="1" latinLnBrk="0" hangingPunct="1">
+              <a:spcBef>
+                <a:spcPct val="20000"/>
+              </a:spcBef>
+              <a:buFont typeface="Arial" pitchFamily="34" charset="0"/>
+              <a:buNone/>
+              <a:defRPr sz="2000" kern="1200">
+                <a:solidFill>
+                  <a:schemeClr val="tx1">
+                    <a:tint val="75000"/>
+                  </a:schemeClr>
+                </a:solidFill>
+                <a:latin typeface="+mn-lt"/>
+                <a:ea typeface="+mn-ea"/>
+                <a:cs typeface="+mn-cs"/>
+              </a:defRPr>
+            </a:lvl7pPr>
+            <a:lvl8pPr marL="3200400" indent="0" algn="ctr" defTabSz="914400" rtl="0" eaLnBrk="1" latinLnBrk="0" hangingPunct="1">
+              <a:spcBef>
+                <a:spcPct val="20000"/>
+              </a:spcBef>
+              <a:buFont typeface="Arial" pitchFamily="34" charset="0"/>
+              <a:buNone/>
+              <a:defRPr sz="2000" kern="1200">
+                <a:solidFill>
+                  <a:schemeClr val="tx1">
+                    <a:tint val="75000"/>
+                  </a:schemeClr>
+                </a:solidFill>
+                <a:latin typeface="+mn-lt"/>
+                <a:ea typeface="+mn-ea"/>
+                <a:cs typeface="+mn-cs"/>
+              </a:defRPr>
+            </a:lvl8pPr>
+            <a:lvl9pPr marL="3657600" indent="0" algn="ctr" defTabSz="914400" rtl="0" eaLnBrk="1" latinLnBrk="0" hangingPunct="1">
+              <a:spcBef>
+                <a:spcPct val="20000"/>
+              </a:spcBef>
+              <a:buFont typeface="Arial" pitchFamily="34" charset="0"/>
+              <a:buNone/>
+              <a:defRPr sz="2000" kern="1200">
+                <a:solidFill>
+                  <a:schemeClr val="tx1">
+                    <a:tint val="75000"/>
+                  </a:schemeClr>
+                </a:solidFill>
+                <a:latin typeface="+mn-lt"/>
+                <a:ea typeface="+mn-ea"/>
+                <a:cs typeface="+mn-cs"/>
+              </a:defRPr>
+            </a:lvl9pPr>
+          </a:lstStyle>
+          <a:p>
+            <a:pPr algn="l"/>
+            <a:r>
+              <a:rPr lang="en-US" b="1" dirty="0" smtClean="0">
+                <a:latin typeface="+mj-lt"/>
+              </a:rPr>
+              <a:t>Presented  To, </a:t>
+            </a:r>
+            <a:r>
+              <a:rPr lang="en-US" dirty="0" smtClean="0">
+                <a:latin typeface="+mj-lt"/>
+              </a:rPr>
+              <a:t>  			</a:t>
+            </a:r>
+          </a:p>
+          <a:p>
+            <a:pPr algn="l"/>
+            <a:r>
+              <a:rPr lang="en-US" dirty="0" smtClean="0">
+                <a:latin typeface="+mj-lt"/>
+              </a:rPr>
+              <a:t>Md. Mizanur Rahman (Asst. Professor)</a:t>
+            </a:r>
+            <a:endParaRPr lang="en-US" dirty="0">
+              <a:latin typeface="+mj-lt"/>
+            </a:endParaRPr>
+          </a:p>
+        </p:txBody>
+      </p:sp>
     </p:spTree>
     <p:custDataLst>
       <p:tags r:id="rId1"/>
@@ -5347,6 +5593,110 @@
                                   </p:childTnLst>
                                 </p:cTn>
                               </p:par>
+                              <p:par>
+                                <p:cTn id="26" presetID="14" presetClass="entr" presetSubtype="10" fill="hold" grpId="0" nodeType="withEffect">
+                                  <p:stCondLst>
+                                    <p:cond delay="0"/>
+                                  </p:stCondLst>
+                                  <p:childTnLst>
+                                    <p:set>
+                                      <p:cBhvr>
+                                        <p:cTn id="27" dur="1" fill="hold">
+                                          <p:stCondLst>
+                                            <p:cond delay="0"/>
+                                          </p:stCondLst>
+                                        </p:cTn>
+                                        <p:tgtEl>
+                                          <p:spTgt spid="6">
+                                            <p:txEl>
+                                              <p:pRg st="0" end="0"/>
+                                            </p:txEl>
+                                          </p:spTgt>
+                                        </p:tgtEl>
+                                        <p:attrNameLst>
+                                          <p:attrName>style.visibility</p:attrName>
+                                        </p:attrNameLst>
+                                      </p:cBhvr>
+                                      <p:to>
+                                        <p:strVal val="visible"/>
+                                      </p:to>
+                                    </p:set>
+                                    <p:animEffect transition="in" filter="randombar(horizontal)">
+                                      <p:cBhvr>
+                                        <p:cTn id="28" dur="500"/>
+                                        <p:tgtEl>
+                                          <p:spTgt spid="6">
+                                            <p:txEl>
+                                              <p:pRg st="0" end="0"/>
+                                            </p:txEl>
+                                          </p:spTgt>
+                                        </p:tgtEl>
+                                      </p:cBhvr>
+                                    </p:animEffect>
+                                  </p:childTnLst>
+                                </p:cTn>
+                              </p:par>
+                            </p:childTnLst>
+                          </p:cTn>
+                        </p:par>
+                      </p:childTnLst>
+                    </p:cTn>
+                  </p:par>
+                  <p:par>
+                    <p:cTn id="29" fill="hold">
+                      <p:stCondLst>
+                        <p:cond delay="indefinite"/>
+                      </p:stCondLst>
+                      <p:childTnLst>
+                        <p:par>
+                          <p:cTn id="30" fill="hold">
+                            <p:stCondLst>
+                              <p:cond delay="0"/>
+                            </p:stCondLst>
+                            <p:childTnLst>
+                              <p:par>
+                                <p:cTn id="31" presetID="14" presetClass="entr" presetSubtype="10" fill="hold" grpId="0" nodeType="clickEffect">
+                                  <p:stCondLst>
+                                    <p:cond delay="0"/>
+                                  </p:stCondLst>
+                                  <p:childTnLst>
+                                    <p:set>
+                                      <p:cBhvr>
+                                        <p:cTn id="32" dur="1" fill="hold">
+                                          <p:stCondLst>
+                                            <p:cond delay="0"/>
+                                          </p:stCondLst>
+                                        </p:cTn>
+                                        <p:tgtEl>
+                                          <p:spTgt spid="6">
+                                            <p:txEl>
+                                              <p:pRg st="1" end="1"/>
+                                            </p:txEl>
+                                          </p:spTgt>
+                                        </p:tgtEl>
+                                        <p:attrNameLst>
+                                          <p:attrName>style.visibility</p:attrName>
+                                        </p:attrNameLst>
+                                      </p:cBhvr>
+                                      <p:to>
+                                        <p:strVal val="visible"/>
+                                      </p:to>
+                                    </p:set>
+                                    <p:animEffect transition="in" filter="randombar(horizontal)">
+                                      <p:cBhvr>
+                                        <p:cTn id="33" dur="500"/>
+                                        <p:tgtEl>
+                                          <p:spTgt spid="6">
+                                            <p:txEl>
+                                              <p:pRg st="1" end="1"/>
+                                            </p:txEl>
+                                          </p:spTgt>
+                                        </p:tgtEl>
+                                      </p:cBhvr>
+                                    </p:animEffect>
+                                  </p:childTnLst>
+                                </p:cTn>
+                              </p:par>
                             </p:childTnLst>
                           </p:cTn>
                         </p:par>
@@ -5377,6 +5727,7 @@
     <p:bldLst>
       <p:bldP spid="2" grpId="0"/>
       <p:bldP spid="3" grpId="0" build="p"/>
+      <p:bldP spid="6" grpId="0" build="p"/>
     </p:bldLst>
   </p:timing>
 </p:sld>
@@ -9188,11 +9539,7 @@
             <a:pPr algn="ctr"/>
             <a:r>
               <a:rPr lang="en-US" dirty="0" smtClean="0"/>
-              <a:t>Match </a:t>
-            </a:r>
-            <a:r>
-              <a:rPr lang="en-US" dirty="0" smtClean="0"/>
-              <a:t>the number </a:t>
+              <a:t>Match the number </a:t>
             </a:r>
             <a:endParaRPr lang="en-US" dirty="0"/>
           </a:p>
@@ -11451,17 +11798,23 @@
 
 <file path=ppt/tags/tag4.xml><?xml version="1.0" encoding="utf-8"?>
 <p:tagLst xmlns:a="http://schemas.openxmlformats.org/drawingml/2006/main" xmlns:r="http://schemas.openxmlformats.org/officeDocument/2006/relationships" xmlns:p="http://schemas.openxmlformats.org/presentationml/2006/main">
-  <p:tag name="DVSECTIONID" val="QUq8QELArFIgadhH063fpq"/>
+  <p:tag name="DVSHAPEID" val="0uhWvCQomImT50qU5y4Znw"/>
 </p:tagLst>
 </file>
 
 <file path=ppt/tags/tag5.xml><?xml version="1.0" encoding="utf-8"?>
 <p:tagLst xmlns:a="http://schemas.openxmlformats.org/drawingml/2006/main" xmlns:r="http://schemas.openxmlformats.org/officeDocument/2006/relationships" xmlns:p="http://schemas.openxmlformats.org/presentationml/2006/main">
+  <p:tag name="DVSECTIONID" val="QUq8QELArFIgadhH063fpq"/>
+</p:tagLst>
+</file>
+
+<file path=ppt/tags/tag6.xml><?xml version="1.0" encoding="utf-8"?>
+<p:tagLst xmlns:a="http://schemas.openxmlformats.org/drawingml/2006/main" xmlns:r="http://schemas.openxmlformats.org/officeDocument/2006/relationships" xmlns:p="http://schemas.openxmlformats.org/presentationml/2006/main">
   <p:tag name="DVSHAPEID" val="InkrlxYPS4jAzciXk8ToAM"/>
 </p:tagLst>
 </file>
 
-<file path=ppt/tags/tag6.xml><?xml version="1.0" encoding="utf-8"?>
+<file path=ppt/tags/tag7.xml><?xml version="1.0" encoding="utf-8"?>
 <p:tagLst xmlns:a="http://schemas.openxmlformats.org/drawingml/2006/main" xmlns:r="http://schemas.openxmlformats.org/officeDocument/2006/relationships" xmlns:p="http://schemas.openxmlformats.org/presentationml/2006/main">
   <p:tag name="DVSHAPEID" val="retnMj4SFfqbVIhVK0Rf83"/>
 </p:tagLst>

--- a/pptx/amar/rafi.pptx
+++ b/pptx/amar/rafi.pptx
@@ -158,6 +158,34 @@
           <p14:sldIdLst/>
         </p14:section>
       </p14:sectionLst>
+    </p:ext>
+    <p:ext uri="{EFAFB233-063F-42B5-8137-9DF3F51BA10A}">
+      <p15:sldGuideLst xmlns:p15="http://schemas.microsoft.com/office/powerpoint/2012/main">
+        <p15:guide id="1" orient="horz" pos="2160">
+          <p15:clr>
+            <a:srgbClr val="A4A3A4"/>
+          </p15:clr>
+        </p15:guide>
+        <p15:guide id="2" pos="2880">
+          <p15:clr>
+            <a:srgbClr val="A4A3A4"/>
+          </p15:clr>
+        </p15:guide>
+      </p15:sldGuideLst>
+    </p:ext>
+    <p:ext uri="{2D200454-40CA-4A62-9FC3-DE9A4176ACB9}">
+      <p15:notesGuideLst xmlns:p15="http://schemas.microsoft.com/office/powerpoint/2012/main">
+        <p15:guide id="1" orient="horz" pos="2880">
+          <p15:clr>
+            <a:srgbClr val="A4A3A4"/>
+          </p15:clr>
+        </p15:guide>
+        <p15:guide id="2" pos="2160">
+          <p15:clr>
+            <a:srgbClr val="A4A3A4"/>
+          </p15:clr>
+        </p15:guide>
+      </p15:notesGuideLst>
     </p:ext>
   </p:extLst>
 </p:presentation>
@@ -5003,7 +5031,19 @@
               <a:rPr lang="en-US" dirty="0" smtClean="0">
                 <a:latin typeface="+mn-lt"/>
               </a:rPr>
-              <a:t>	Name: Md. Tyibor Rahman</a:t>
+              <a:t>	</a:t>
+            </a:r>
+            <a:r>
+              <a:rPr lang="en-US" dirty="0" smtClean="0">
+                <a:latin typeface="+mn-lt"/>
+              </a:rPr>
+              <a:t>Md</a:t>
+            </a:r>
+            <a:r>
+              <a:rPr lang="en-US" dirty="0" smtClean="0">
+                <a:latin typeface="+mn-lt"/>
+              </a:rPr>
+              <a:t>. Tyibor Rahman</a:t>
             </a:r>
           </a:p>
           <a:p>
@@ -5018,7 +5058,13 @@
               <a:rPr lang="en-US" dirty="0" smtClean="0">
                 <a:latin typeface="+mn-lt"/>
               </a:rPr>
-              <a:t>Batch: 24</a:t>
+              <a:t>Dept. CSE   Batch </a:t>
+            </a:r>
+            <a:r>
+              <a:rPr lang="en-US" dirty="0" smtClean="0">
+                <a:latin typeface="+mn-lt"/>
+              </a:rPr>
+              <a:t>24</a:t>
             </a:r>
             <a:r>
               <a:rPr lang="en-US" baseline="30000" dirty="0" smtClean="0">
@@ -5032,6 +5078,12 @@
               </a:rPr>
               <a:t> </a:t>
             </a:r>
+            <a:r>
+              <a:rPr lang="en-US" dirty="0" smtClean="0">
+                <a:latin typeface="+mn-lt"/>
+              </a:rPr>
+              <a:t> </a:t>
+            </a:r>
             <a:endParaRPr lang="en-US" dirty="0" smtClean="0">
               <a:latin typeface="+mn-lt"/>
             </a:endParaRPr>
@@ -5042,19 +5094,13 @@
               <a:rPr lang="en-US" dirty="0" smtClean="0">
                 <a:latin typeface="+mn-lt"/>
               </a:rPr>
-              <a:t>	</a:t>
+              <a:t>	Semester </a:t>
             </a:r>
             <a:r>
               <a:rPr lang="en-US" dirty="0" smtClean="0">
                 <a:latin typeface="+mn-lt"/>
               </a:rPr>
-              <a:t>Semester </a:t>
-            </a:r>
-            <a:r>
-              <a:rPr lang="en-US" dirty="0">
-                <a:latin typeface="+mn-lt"/>
-              </a:rPr>
-              <a:t>: </a:t>
+              <a:t> </a:t>
             </a:r>
             <a:r>
               <a:rPr lang="en-US" dirty="0" smtClean="0">
@@ -7967,36 +8013,6 @@
       </p:grpSpPr>
       <p:pic>
         <p:nvPicPr>
-          <p:cNvPr id="12" name="Picture 11"/>
-          <p:cNvPicPr>
-            <a:picLocks noChangeAspect="1"/>
-          </p:cNvPicPr>
-          <p:nvPr/>
-        </p:nvPicPr>
-        <p:blipFill>
-          <a:blip r:embed="rId3" cstate="email">
-            <a:extLst>
-              <a:ext uri="{28A0092B-C50C-407E-A947-70E740481C1C}">
-                <a14:useLocalDpi xmlns:a14="http://schemas.microsoft.com/office/drawing/2010/main"/>
-              </a:ext>
-            </a:extLst>
-          </a:blip>
-          <a:stretch>
-            <a:fillRect/>
-          </a:stretch>
-        </p:blipFill>
-        <p:spPr>
-          <a:xfrm>
-            <a:off x="1905000" y="-2286000"/>
-            <a:ext cx="7765662" cy="16476125"/>
-          </a:xfrm>
-          <a:prstGeom prst="rect">
-            <a:avLst/>
-          </a:prstGeom>
-        </p:spPr>
-      </p:pic>
-      <p:pic>
-        <p:nvPicPr>
           <p:cNvPr id="2" name="Picture 2"/>
           <p:cNvPicPr>
             <a:picLocks noChangeAspect="1" noChangeArrowheads="1"/>
@@ -8004,7 +8020,7 @@
           <p:nvPr/>
         </p:nvPicPr>
         <p:blipFill>
-          <a:blip r:embed="rId4" cstate="email">
+          <a:blip r:embed="rId3" cstate="email">
             <a:extLst>
               <a:ext uri="{28A0092B-C50C-407E-A947-70E740481C1C}">
                 <a14:useLocalDpi xmlns:a14="http://schemas.microsoft.com/office/drawing/2010/main" val="0"/>
@@ -8099,6 +8115,36 @@
           </a:p>
         </p:txBody>
       </p:sp>
+      <p:pic>
+        <p:nvPicPr>
+          <p:cNvPr id="5" name="Picture 4"/>
+          <p:cNvPicPr>
+            <a:picLocks noChangeAspect="1"/>
+          </p:cNvPicPr>
+          <p:nvPr/>
+        </p:nvPicPr>
+        <p:blipFill>
+          <a:blip r:embed="rId4" cstate="email">
+            <a:extLst>
+              <a:ext uri="{28A0092B-C50C-407E-A947-70E740481C1C}">
+                <a14:useLocalDpi xmlns:a14="http://schemas.microsoft.com/office/drawing/2010/main"/>
+              </a:ext>
+            </a:extLst>
+          </a:blip>
+          <a:stretch>
+            <a:fillRect/>
+          </a:stretch>
+        </p:blipFill>
+        <p:spPr>
+          <a:xfrm>
+            <a:off x="1828800" y="-1303863"/>
+            <a:ext cx="7765662" cy="16476125"/>
+          </a:xfrm>
+          <a:prstGeom prst="rect">
+            <a:avLst/>
+          </a:prstGeom>
+        </p:spPr>
+      </p:pic>
     </p:spTree>
   </p:cSld>
   <p:clrMapOvr>
@@ -8591,7 +8637,11 @@
             <a:pPr algn="ctr"/>
             <a:r>
               <a:rPr lang="en-US" sz="1600" dirty="0" smtClean="0"/>
-              <a:t>Wrong_ans = 0</a:t>
+              <a:t>Wrong </a:t>
+            </a:r>
+            <a:r>
+              <a:rPr lang="en-US" sz="1600" dirty="0" smtClean="0"/>
+              <a:t>= 0</a:t>
             </a:r>
             <a:endParaRPr lang="en-US" sz="1600" dirty="0"/>
           </a:p>
@@ -9541,6 +9591,10 @@
               <a:rPr lang="en-US" dirty="0" smtClean="0"/>
               <a:t>Match the number </a:t>
             </a:r>
+            <a:endParaRPr lang="en-US" dirty="0" smtClean="0"/>
+          </a:p>
+          <a:p>
+            <a:pPr algn="ctr"/>
             <a:endParaRPr lang="en-US" dirty="0"/>
           </a:p>
         </p:txBody>
@@ -9622,8 +9676,8 @@
         </p:nvSpPr>
         <p:spPr>
           <a:xfrm>
-            <a:off x="7724775" y="4253468"/>
-            <a:ext cx="508473" cy="369332"/>
+            <a:off x="7594600" y="4554577"/>
+            <a:ext cx="1493870" cy="369332"/>
           </a:xfrm>
           <a:prstGeom prst="rect">
             <a:avLst/>
@@ -9638,8 +9692,13 @@
           <a:p>
             <a:r>
               <a:rPr lang="en-US" dirty="0"/>
-              <a:t> No</a:t>
-            </a:r>
+              <a:t> </a:t>
+            </a:r>
+            <a:r>
+              <a:rPr lang="en-US" dirty="0" smtClean="0"/>
+              <a:t>No , wrong++</a:t>
+            </a:r>
+            <a:endParaRPr lang="en-US" dirty="0"/>
           </a:p>
         </p:txBody>
       </p:sp>
@@ -9687,8 +9746,8 @@
         </p:nvSpPr>
         <p:spPr>
           <a:xfrm>
-            <a:off x="914400" y="5978525"/>
-            <a:ext cx="2552700" cy="838200"/>
+            <a:off x="914400" y="5574784"/>
+            <a:ext cx="2971800" cy="1241941"/>
           </a:xfrm>
           <a:prstGeom prst="parallelogram">
             <a:avLst/>
@@ -9724,7 +9783,18 @@
             <a:pPr algn="ctr"/>
             <a:r>
               <a:rPr lang="en-US" dirty="0" smtClean="0"/>
-              <a:t>Your Score</a:t>
+              <a:t>Your </a:t>
+            </a:r>
+            <a:r>
+              <a:rPr lang="en-US" dirty="0" smtClean="0"/>
+              <a:t>Score </a:t>
+            </a:r>
+          </a:p>
+          <a:p>
+            <a:pPr algn="ctr"/>
+            <a:r>
+              <a:rPr lang="en-US" dirty="0" smtClean="0"/>
+              <a:t>Score = score - wrong</a:t>
             </a:r>
             <a:endParaRPr lang="en-US" dirty="0"/>
           </a:p>
@@ -9829,8 +9899,8 @@
         </p:nvCxnSpPr>
         <p:spPr>
           <a:xfrm flipH="1" flipV="1">
-            <a:off x="3362325" y="6397625"/>
-            <a:ext cx="2038350" cy="47625"/>
+            <a:off x="3730957" y="6195755"/>
+            <a:ext cx="1669718" cy="249495"/>
           </a:xfrm>
           <a:prstGeom prst="straightConnector1">
             <a:avLst/>
@@ -10015,9 +10085,9 @@
           <p:nvPr/>
         </p:nvCxnSpPr>
         <p:spPr>
-          <a:xfrm flipV="1">
-            <a:off x="2295525" y="4438134"/>
-            <a:ext cx="76200" cy="1540391"/>
+          <a:xfrm flipH="1" flipV="1">
+            <a:off x="2371725" y="4438134"/>
+            <a:ext cx="183818" cy="1136650"/>
           </a:xfrm>
           <a:prstGeom prst="straightConnector1">
             <a:avLst/>

--- a/pptx/amar/rafi.pptx
+++ b/pptx/amar/rafi.pptx
@@ -5031,40 +5031,16 @@
               <a:rPr lang="en-US" dirty="0" smtClean="0">
                 <a:latin typeface="+mn-lt"/>
               </a:rPr>
-              <a:t>	</a:t>
-            </a:r>
+              <a:t>	Md. Tyibor Rahman</a:t>
+            </a:r>
+          </a:p>
+          <a:p>
+            <a:pPr algn="l"/>
             <a:r>
               <a:rPr lang="en-US" dirty="0" smtClean="0">
                 <a:latin typeface="+mn-lt"/>
               </a:rPr>
-              <a:t>Md</a:t>
-            </a:r>
-            <a:r>
-              <a:rPr lang="en-US" dirty="0" smtClean="0">
-                <a:latin typeface="+mn-lt"/>
-              </a:rPr>
-              <a:t>. Tyibor Rahman</a:t>
-            </a:r>
-          </a:p>
-          <a:p>
-            <a:pPr algn="l"/>
-            <a:r>
-              <a:rPr lang="en-US" dirty="0" smtClean="0">
-                <a:latin typeface="+mn-lt"/>
-              </a:rPr>
-              <a:t>	</a:t>
-            </a:r>
-            <a:r>
-              <a:rPr lang="en-US" dirty="0" smtClean="0">
-                <a:latin typeface="+mn-lt"/>
-              </a:rPr>
-              <a:t>Dept. CSE   Batch </a:t>
-            </a:r>
-            <a:r>
-              <a:rPr lang="en-US" dirty="0" smtClean="0">
-                <a:latin typeface="+mn-lt"/>
-              </a:rPr>
-              <a:t>24</a:t>
+              <a:t>	Dept. CSE   Batch 24</a:t>
             </a:r>
             <a:r>
               <a:rPr lang="en-US" baseline="30000" dirty="0" smtClean="0">
@@ -5084,9 +5060,6 @@
               </a:rPr>
               <a:t> </a:t>
             </a:r>
-            <a:endParaRPr lang="en-US" dirty="0" smtClean="0">
-              <a:latin typeface="+mn-lt"/>
-            </a:endParaRPr>
           </a:p>
           <a:p>
             <a:pPr algn="l"/>
@@ -5094,19 +5067,7 @@
               <a:rPr lang="en-US" dirty="0" smtClean="0">
                 <a:latin typeface="+mn-lt"/>
               </a:rPr>
-              <a:t>	Semester </a:t>
-            </a:r>
-            <a:r>
-              <a:rPr lang="en-US" dirty="0" smtClean="0">
-                <a:latin typeface="+mn-lt"/>
-              </a:rPr>
-              <a:t> </a:t>
-            </a:r>
-            <a:r>
-              <a:rPr lang="en-US" dirty="0" smtClean="0">
-                <a:latin typeface="+mn-lt"/>
-              </a:rPr>
-              <a:t>Spring 2022</a:t>
+              <a:t>	Semester  Spring 2022</a:t>
             </a:r>
             <a:endParaRPr lang="en-US" dirty="0" smtClean="0"/>
           </a:p>
@@ -8637,11 +8598,7 @@
             <a:pPr algn="ctr"/>
             <a:r>
               <a:rPr lang="en-US" sz="1600" dirty="0" smtClean="0"/>
-              <a:t>Wrong </a:t>
-            </a:r>
-            <a:r>
-              <a:rPr lang="en-US" sz="1600" dirty="0" smtClean="0"/>
-              <a:t>= 0</a:t>
+              <a:t>Wrong = 0</a:t>
             </a:r>
             <a:endParaRPr lang="en-US" sz="1600" dirty="0"/>
           </a:p>
@@ -9591,7 +9548,6 @@
               <a:rPr lang="en-US" dirty="0" smtClean="0"/>
               <a:t>Match the number </a:t>
             </a:r>
-            <a:endParaRPr lang="en-US" dirty="0" smtClean="0"/>
           </a:p>
           <a:p>
             <a:pPr algn="ctr"/>
@@ -9783,11 +9739,7 @@
             <a:pPr algn="ctr"/>
             <a:r>
               <a:rPr lang="en-US" dirty="0" smtClean="0"/>
-              <a:t>Your </a:t>
-            </a:r>
-            <a:r>
-              <a:rPr lang="en-US" dirty="0" smtClean="0"/>
-              <a:t>Score </a:t>
+              <a:t>Your Score </a:t>
             </a:r>
           </a:p>
           <a:p>

--- a/pptx/amar/rafi.pptx
+++ b/pptx/amar/rafi.pptx
@@ -160,7 +160,7 @@
       </p14:sectionLst>
     </p:ext>
     <p:ext uri="{EFAFB233-063F-42B5-8137-9DF3F51BA10A}">
-      <p15:sldGuideLst xmlns:p15="http://schemas.microsoft.com/office/powerpoint/2012/main">
+      <p15:sldGuideLst xmlns:p15="http://schemas.microsoft.com/office/powerpoint/2012/main" xmlns="">
         <p15:guide id="1" orient="horz" pos="2160">
           <p15:clr>
             <a:srgbClr val="A4A3A4"/>
@@ -174,7 +174,7 @@
       </p15:sldGuideLst>
     </p:ext>
     <p:ext uri="{2D200454-40CA-4A62-9FC3-DE9A4176ACB9}">
-      <p15:notesGuideLst xmlns:p15="http://schemas.microsoft.com/office/powerpoint/2012/main">
+      <p15:notesGuideLst xmlns:p15="http://schemas.microsoft.com/office/powerpoint/2012/main" xmlns="">
         <p15:guide id="1" orient="horz" pos="2880">
           <p15:clr>
             <a:srgbClr val="A4A3A4"/>
@@ -274,7 +274,7 @@
             <a:fld id="{D83FDC75-7F73-4A4A-A77C-09AADF00E0EA}" type="datetimeFigureOut">
               <a:rPr lang="en-US" smtClean="0"/>
               <a:pPr/>
-              <a:t>7/2/2022</a:t>
+              <a:t>7/3/2022</a:t>
             </a:fld>
             <a:endParaRPr lang="en-US" dirty="0"/>
           </a:p>
@@ -441,7 +441,7 @@
             <a:fld id="{48AEF76B-3757-4A0B-AF93-28494465C1DD}" type="datetimeFigureOut">
               <a:rPr lang="en-US" smtClean="0"/>
               <a:pPr/>
-              <a:t>7/2/2022</a:t>
+              <a:t>7/3/2022</a:t>
             </a:fld>
             <a:endParaRPr lang="en-US" dirty="0"/>
           </a:p>
@@ -1818,7 +1818,7 @@
             <a:fld id="{757B281C-5159-4971-8228-52B9A72E9ED2}" type="datetimeFigureOut">
               <a:rPr lang="en-US" smtClean="0"/>
               <a:pPr/>
-              <a:t>7/2/2022</a:t>
+              <a:t>7/3/2022</a:t>
             </a:fld>
             <a:endParaRPr lang="en-US" dirty="0"/>
           </a:p>
@@ -1920,7 +1920,7 @@
             <a:fld id="{757B281C-5159-4971-8228-52B9A72E9ED2}" type="datetimeFigureOut">
               <a:rPr lang="en-US" smtClean="0"/>
               <a:pPr/>
-              <a:t>7/2/2022</a:t>
+              <a:t>7/3/2022</a:t>
             </a:fld>
             <a:endParaRPr lang="en-US" dirty="0"/>
           </a:p>
@@ -2056,7 +2056,7 @@
             <a:fld id="{757B281C-5159-4971-8228-52B9A72E9ED2}" type="datetimeFigureOut">
               <a:rPr lang="en-US" smtClean="0"/>
               <a:pPr/>
-              <a:t>7/2/2022</a:t>
+              <a:t>7/3/2022</a:t>
             </a:fld>
             <a:endParaRPr lang="en-US" dirty="0"/>
           </a:p>
@@ -2262,7 +2262,7 @@
             <a:fld id="{757B281C-5159-4971-8228-52B9A72E9ED2}" type="datetimeFigureOut">
               <a:rPr lang="en-US" smtClean="0"/>
               <a:pPr/>
-              <a:t>7/2/2022</a:t>
+              <a:t>7/3/2022</a:t>
             </a:fld>
             <a:endParaRPr lang="en-US" dirty="0"/>
           </a:p>
@@ -2661,7 +2661,7 @@
             <a:fld id="{757B281C-5159-4971-8228-52B9A72E9ED2}" type="datetimeFigureOut">
               <a:rPr lang="en-US" smtClean="0"/>
               <a:pPr/>
-              <a:t>7/2/2022</a:t>
+              <a:t>7/3/2022</a:t>
             </a:fld>
             <a:endParaRPr lang="en-US" dirty="0"/>
           </a:p>
@@ -2961,7 +2961,7 @@
             <a:fld id="{757B281C-5159-4971-8228-52B9A72E9ED2}" type="datetimeFigureOut">
               <a:rPr lang="en-US" smtClean="0"/>
               <a:pPr/>
-              <a:t>7/2/2022</a:t>
+              <a:t>7/3/2022</a:t>
             </a:fld>
             <a:endParaRPr lang="en-US" dirty="0"/>
           </a:p>
@@ -3390,7 +3390,7 @@
             <a:fld id="{757B281C-5159-4971-8228-52B9A72E9ED2}" type="datetimeFigureOut">
               <a:rPr lang="en-US" smtClean="0"/>
               <a:pPr/>
-              <a:t>7/2/2022</a:t>
+              <a:t>7/3/2022</a:t>
             </a:fld>
             <a:endParaRPr lang="en-US" dirty="0"/>
           </a:p>
@@ -3667,7 +3667,7 @@
             <a:fld id="{757B281C-5159-4971-8228-52B9A72E9ED2}" type="datetimeFigureOut">
               <a:rPr lang="en-US" smtClean="0"/>
               <a:pPr/>
-              <a:t>7/2/2022</a:t>
+              <a:t>7/3/2022</a:t>
             </a:fld>
             <a:endParaRPr lang="en-US" dirty="0"/>
           </a:p>
@@ -3931,7 +3931,7 @@
             <a:fld id="{757B281C-5159-4971-8228-52B9A72E9ED2}" type="datetimeFigureOut">
               <a:rPr lang="en-US" smtClean="0"/>
               <a:pPr/>
-              <a:t>7/2/2022</a:t>
+              <a:t>7/3/2022</a:t>
             </a:fld>
             <a:endParaRPr lang="en-US" dirty="0"/>
           </a:p>
@@ -4101,7 +4101,7 @@
             <a:fld id="{757B281C-5159-4971-8228-52B9A72E9ED2}" type="datetimeFigureOut">
               <a:rPr lang="en-US" smtClean="0"/>
               <a:pPr/>
-              <a:t>7/2/2022</a:t>
+              <a:t>7/3/2022</a:t>
             </a:fld>
             <a:endParaRPr lang="en-US" dirty="0"/>
           </a:p>
@@ -4281,7 +4281,7 @@
             <a:fld id="{757B281C-5159-4971-8228-52B9A72E9ED2}" type="datetimeFigureOut">
               <a:rPr lang="en-US" smtClean="0"/>
               <a:pPr/>
-              <a:t>7/2/2022</a:t>
+              <a:t>7/3/2022</a:t>
             </a:fld>
             <a:endParaRPr lang="en-US" dirty="0"/>
           </a:p>
@@ -4523,7 +4523,7 @@
             <a:fld id="{757B281C-5159-4971-8228-52B9A72E9ED2}" type="datetimeFigureOut">
               <a:rPr lang="en-US" smtClean="0"/>
               <a:pPr/>
-              <a:t>7/2/2022</a:t>
+              <a:t>7/3/2022</a:t>
             </a:fld>
             <a:endParaRPr lang="en-US" dirty="0"/>
           </a:p>
@@ -5031,8 +5031,32 @@
               <a:rPr lang="en-US" dirty="0" smtClean="0">
                 <a:latin typeface="+mn-lt"/>
               </a:rPr>
-              <a:t>	Md. Tyibor Rahman</a:t>
-            </a:r>
+              <a:t>	Md. Tyibor </a:t>
+            </a:r>
+            <a:r>
+              <a:rPr lang="en-US" dirty="0" smtClean="0">
+                <a:latin typeface="+mn-lt"/>
+              </a:rPr>
+              <a:t>Rahman</a:t>
+            </a:r>
+          </a:p>
+          <a:p>
+            <a:pPr algn="l"/>
+            <a:r>
+              <a:rPr lang="en-US" dirty="0">
+                <a:latin typeface="+mn-lt"/>
+              </a:rPr>
+              <a:t>	</a:t>
+            </a:r>
+            <a:r>
+              <a:rPr lang="en-US" dirty="0" smtClean="0">
+                <a:latin typeface="+mn-lt"/>
+              </a:rPr>
+              <a:t>ID: 22100080</a:t>
+            </a:r>
+            <a:endParaRPr lang="en-US" dirty="0" smtClean="0">
+              <a:latin typeface="+mn-lt"/>
+            </a:endParaRPr>
           </a:p>
           <a:p>
             <a:pPr algn="l"/>
@@ -5600,23 +5624,41 @@
                                   </p:childTnLst>
                                 </p:cTn>
                               </p:par>
+                            </p:childTnLst>
+                          </p:cTn>
+                        </p:par>
+                      </p:childTnLst>
+                    </p:cTn>
+                  </p:par>
+                  <p:par>
+                    <p:cTn id="26" fill="hold">
+                      <p:stCondLst>
+                        <p:cond delay="indefinite"/>
+                      </p:stCondLst>
+                      <p:childTnLst>
+                        <p:par>
+                          <p:cTn id="27" fill="hold">
+                            <p:stCondLst>
+                              <p:cond delay="0"/>
+                            </p:stCondLst>
+                            <p:childTnLst>
                               <p:par>
-                                <p:cTn id="26" presetID="14" presetClass="entr" presetSubtype="10" fill="hold" grpId="0" nodeType="withEffect">
+                                <p:cTn id="28" presetID="14" presetClass="entr" presetSubtype="10" fill="hold" grpId="0" nodeType="clickEffect">
                                   <p:stCondLst>
                                     <p:cond delay="0"/>
                                   </p:stCondLst>
                                   <p:childTnLst>
                                     <p:set>
                                       <p:cBhvr>
-                                        <p:cTn id="27" dur="1" fill="hold">
+                                        <p:cTn id="29" dur="1" fill="hold">
                                           <p:stCondLst>
                                             <p:cond delay="0"/>
                                           </p:stCondLst>
                                         </p:cTn>
                                         <p:tgtEl>
-                                          <p:spTgt spid="6">
+                                          <p:spTgt spid="3">
                                             <p:txEl>
-                                              <p:pRg st="0" end="0"/>
+                                              <p:pRg st="4" end="4"/>
                                             </p:txEl>
                                           </p:spTgt>
                                         </p:tgtEl>
@@ -5630,7 +5672,50 @@
                                     </p:set>
                                     <p:animEffect transition="in" filter="randombar(horizontal)">
                                       <p:cBhvr>
-                                        <p:cTn id="28" dur="500"/>
+                                        <p:cTn id="30" dur="500"/>
+                                        <p:tgtEl>
+                                          <p:spTgt spid="3">
+                                            <p:txEl>
+                                              <p:pRg st="4" end="4"/>
+                                            </p:txEl>
+                                          </p:spTgt>
+                                        </p:tgtEl>
+                                      </p:cBhvr>
+                                    </p:animEffect>
+                                  </p:childTnLst>
+                                </p:cTn>
+                              </p:par>
+                              <p:par>
+                                <p:cTn id="31" presetID="14" presetClass="entr" presetSubtype="10" fill="hold" grpId="0" nodeType="withEffect">
+                                  <p:stCondLst>
+                                    <p:cond delay="0"/>
+                                  </p:stCondLst>
+                                  <p:childTnLst>
+                                    <p:set>
+                                      <p:cBhvr>
+                                        <p:cTn id="32" dur="1" fill="hold">
+                                          <p:stCondLst>
+                                            <p:cond delay="0"/>
+                                          </p:stCondLst>
+                                        </p:cTn>
+                                        <p:tgtEl>
+                                          <p:spTgt spid="6">
+                                            <p:txEl>
+                                              <p:pRg st="0" end="0"/>
+                                            </p:txEl>
+                                          </p:spTgt>
+                                        </p:tgtEl>
+                                        <p:attrNameLst>
+                                          <p:attrName>style.visibility</p:attrName>
+                                        </p:attrNameLst>
+                                      </p:cBhvr>
+                                      <p:to>
+                                        <p:strVal val="visible"/>
+                                      </p:to>
+                                    </p:set>
+                                    <p:animEffect transition="in" filter="randombar(horizontal)">
+                                      <p:cBhvr>
+                                        <p:cTn id="33" dur="500"/>
                                         <p:tgtEl>
                                           <p:spTgt spid="6">
                                             <p:txEl>
@@ -5650,26 +5735,26 @@
                     </p:cTn>
                   </p:par>
                   <p:par>
-                    <p:cTn id="29" fill="hold">
+                    <p:cTn id="34" fill="hold">
                       <p:stCondLst>
                         <p:cond delay="indefinite"/>
                       </p:stCondLst>
                       <p:childTnLst>
                         <p:par>
-                          <p:cTn id="30" fill="hold">
+                          <p:cTn id="35" fill="hold">
                             <p:stCondLst>
                               <p:cond delay="0"/>
                             </p:stCondLst>
                             <p:childTnLst>
                               <p:par>
-                                <p:cTn id="31" presetID="14" presetClass="entr" presetSubtype="10" fill="hold" grpId="0" nodeType="clickEffect">
+                                <p:cTn id="36" presetID="14" presetClass="entr" presetSubtype="10" fill="hold" grpId="0" nodeType="clickEffect">
                                   <p:stCondLst>
                                     <p:cond delay="0"/>
                                   </p:stCondLst>
                                   <p:childTnLst>
                                     <p:set>
                                       <p:cBhvr>
-                                        <p:cTn id="32" dur="1" fill="hold">
+                                        <p:cTn id="37" dur="1" fill="hold">
                                           <p:stCondLst>
                                             <p:cond delay="0"/>
                                           </p:stCondLst>
@@ -5691,7 +5776,7 @@
                                     </p:set>
                                     <p:animEffect transition="in" filter="randombar(horizontal)">
                                       <p:cBhvr>
-                                        <p:cTn id="33" dur="500"/>
+                                        <p:cTn id="38" dur="500"/>
                                         <p:tgtEl>
                                           <p:spTgt spid="6">
                                             <p:txEl>
@@ -7000,7 +7085,7 @@
     <a:masterClrMapping/>
   </p:clrMapOvr>
   <p:transition spd="slow">
-    <p:push/>
+    <p:randomBar dir="vert"/>
   </p:transition>
   <p:timing>
     <p:tnLst>
@@ -7587,7 +7672,7 @@
     <a:masterClrMapping/>
   </p:clrMapOvr>
   <p:transition spd="slow">
-    <p:push dir="u"/>
+    <p:randomBar dir="vert"/>
   </p:transition>
   <p:timing>
     <p:tnLst>
@@ -7859,7 +7944,7 @@
     <a:masterClrMapping/>
   </p:clrMapOvr>
   <p:transition spd="slow">
-    <p:wipe dir="d"/>
+    <p:randomBar dir="vert"/>
   </p:transition>
   <p:timing>
     <p:tnLst>
@@ -8112,7 +8197,7 @@
     <a:masterClrMapping/>
   </p:clrMapOvr>
   <p:transition spd="slow">
-    <p:fade/>
+    <p:randomBar dir="vert"/>
   </p:transition>
   <p:timing>
     <p:tnLst>
@@ -8690,7 +8775,7 @@
     <a:masterClrMapping/>
   </p:clrMapOvr>
   <p:transition spd="slow">
-    <p:wipe dir="d"/>
+    <p:randomBar dir="vert"/>
   </p:transition>
   <p:timing>
     <p:tnLst>
@@ -10134,7 +10219,7 @@
     <a:masterClrMapping/>
   </p:clrMapOvr>
   <p:transition spd="slow">
-    <p:wipe dir="d"/>
+    <p:randomBar dir="vert"/>
   </p:transition>
   <p:timing>
     <p:tnLst>
@@ -11617,7 +11702,7 @@
     <a:masterClrMapping/>
   </p:clrMapOvr>
   <p:transition spd="slow">
-    <p:wipe dir="d"/>
+    <p:randomBar dir="vert"/>
   </p:transition>
   <p:timing>
     <p:tnLst>
